--- a/docs/EDA_VECELK Presentation.pptx
+++ b/docs/EDA_VECELK Presentation.pptx
@@ -1247,7 +1247,7 @@
   <dgm:whole/>
   <dgm:extLst>
     <a:ext uri="http://schemas.microsoft.com/office/drawing/2008/diagram">
-      <dsp:dataModelExt xmlns:dsp="http://schemas.microsoft.com/office/drawing/2008/diagram" relId="rId6" minVer="http://schemas.openxmlformats.org/drawingml/2006/diagram"/>
+      <dsp:dataModelExt xmlns:dsp="http://schemas.microsoft.com/office/drawing/2008/diagram" relId="rId7" minVer="http://schemas.openxmlformats.org/drawingml/2006/diagram"/>
     </a:ext>
   </dgm:extLst>
 </dgm:dataModel>
@@ -3157,7 +3157,7 @@
             <a:pPr rtl="0"/>
             <a:fld id="{2AA9324D-736C-4521-902C-E171322BDD32}" type="datetime1">
               <a:rPr lang="it-IT" smtClean="0"/>
-              <a:t>06/03/2022</a:t>
+              <a:t>07/03/2022</a:t>
             </a:fld>
             <a:endParaRPr lang="en-US" dirty="0"/>
           </a:p>
@@ -3327,7 +3327,7 @@
             <a:pPr rtl="0"/>
             <a:fld id="{C9CDE5A0-E0EA-4E79-8A9D-490C77C3E1D1}" type="datetime1">
               <a:rPr lang="it-IT" smtClean="0"/>
-              <a:t>06/03/2022</a:t>
+              <a:t>07/03/2022</a:t>
             </a:fld>
             <a:endParaRPr lang="en-US"/>
           </a:p>
@@ -3666,7 +3666,116 @@
             <a:pPr rtl="0"/>
             <a:fld id="{C9CDE5A0-E0EA-4E79-8A9D-490C77C3E1D1}" type="datetime1">
               <a:rPr lang="it-IT" smtClean="0"/>
-              <a:t>06/03/2022</a:t>
+              <a:t>07/03/2022</a:t>
+            </a:fld>
+            <a:endParaRPr lang="en-US"/>
+          </a:p>
+        </p:txBody>
+      </p:sp>
+      <p:sp>
+        <p:nvSpPr>
+          <p:cNvPr id="5" name="Segnaposto numero diapositiva 4"/>
+          <p:cNvSpPr>
+            <a:spLocks noGrp="1"/>
+          </p:cNvSpPr>
+          <p:nvPr>
+            <p:ph type="sldNum" sz="quarter" idx="5"/>
+          </p:nvPr>
+        </p:nvSpPr>
+        <p:spPr/>
+        <p:txBody>
+          <a:bodyPr/>
+          <a:lstStyle/>
+          <a:p>
+            <a:pPr rtl="0"/>
+            <a:fld id="{01B41D33-19C8-4450-B3C5-BE83E9C8F0BC}" type="slidenum">
+              <a:rPr lang="en-US" smtClean="0"/>
+              <a:t>4</a:t>
+            </a:fld>
+            <a:endParaRPr lang="en-US"/>
+          </a:p>
+        </p:txBody>
+      </p:sp>
+    </p:spTree>
+    <p:extLst>
+      <p:ext uri="{BB962C8B-B14F-4D97-AF65-F5344CB8AC3E}">
+        <p14:creationId xmlns:p14="http://schemas.microsoft.com/office/powerpoint/2010/main" val="1863124528"/>
+      </p:ext>
+    </p:extLst>
+  </p:cSld>
+  <p:clrMapOvr>
+    <a:masterClrMapping/>
+  </p:clrMapOvr>
+</p:notes>
+</file>
+
+<file path=ppt/notesSlides/notesSlide2.xml><?xml version="1.0" encoding="utf-8"?>
+<p:notes xmlns:a="http://schemas.openxmlformats.org/drawingml/2006/main" xmlns:r="http://schemas.openxmlformats.org/officeDocument/2006/relationships" xmlns:p="http://schemas.openxmlformats.org/presentationml/2006/main">
+  <p:cSld>
+    <p:spTree>
+      <p:nvGrpSpPr>
+        <p:cNvPr id="1" name=""/>
+        <p:cNvGrpSpPr/>
+        <p:nvPr/>
+      </p:nvGrpSpPr>
+      <p:grpSpPr>
+        <a:xfrm>
+          <a:off x="0" y="0"/>
+          <a:ext cx="0" cy="0"/>
+          <a:chOff x="0" y="0"/>
+          <a:chExt cx="0" cy="0"/>
+        </a:xfrm>
+      </p:grpSpPr>
+      <p:sp>
+        <p:nvSpPr>
+          <p:cNvPr id="2" name="Segnaposto immagine diapositiva 1"/>
+          <p:cNvSpPr>
+            <a:spLocks noGrp="1" noRot="1" noChangeAspect="1"/>
+          </p:cNvSpPr>
+          <p:nvPr>
+            <p:ph type="sldImg"/>
+          </p:nvPr>
+        </p:nvSpPr>
+        <p:spPr/>
+      </p:sp>
+      <p:sp>
+        <p:nvSpPr>
+          <p:cNvPr id="3" name="Segnaposto note 2"/>
+          <p:cNvSpPr>
+            <a:spLocks noGrp="1"/>
+          </p:cNvSpPr>
+          <p:nvPr>
+            <p:ph type="body" idx="1"/>
+          </p:nvPr>
+        </p:nvSpPr>
+        <p:spPr/>
+        <p:txBody>
+          <a:bodyPr/>
+          <a:lstStyle/>
+          <a:p>
+            <a:endParaRPr lang="en-GB" dirty="0"/>
+          </a:p>
+        </p:txBody>
+      </p:sp>
+      <p:sp>
+        <p:nvSpPr>
+          <p:cNvPr id="4" name="Segnaposto data 3"/>
+          <p:cNvSpPr>
+            <a:spLocks noGrp="1"/>
+          </p:cNvSpPr>
+          <p:nvPr>
+            <p:ph type="dt" idx="1"/>
+          </p:nvPr>
+        </p:nvSpPr>
+        <p:spPr/>
+        <p:txBody>
+          <a:bodyPr/>
+          <a:lstStyle/>
+          <a:p>
+            <a:pPr rtl="0"/>
+            <a:fld id="{C9CDE5A0-E0EA-4E79-8A9D-490C77C3E1D1}" type="datetime1">
+              <a:rPr lang="it-IT" smtClean="0"/>
+              <a:t>07/03/2022</a:t>
             </a:fld>
             <a:endParaRPr lang="en-US"/>
           </a:p>
@@ -3950,7 +4059,7 @@
             <a:pPr rtl="0"/>
             <a:fld id="{BE6A9DFD-D01D-46F2-9F5D-64CD124556CA}" type="datetime1">
               <a:rPr lang="it-IT" smtClean="0"/>
-              <a:t>06/03/2022</a:t>
+              <a:t>07/03/2022</a:t>
             </a:fld>
             <a:endParaRPr lang="en-US" dirty="0"/>
           </a:p>
@@ -4157,7 +4266,7 @@
             <a:pPr rtl="0"/>
             <a:fld id="{D6985F1D-99DE-4FE8-9093-377AC3915E25}" type="datetime1">
               <a:rPr lang="it-IT" smtClean="0"/>
-              <a:t>06/03/2022</a:t>
+              <a:t>07/03/2022</a:t>
             </a:fld>
             <a:endParaRPr lang="en-US" dirty="0"/>
           </a:p>
@@ -4523,7 +4632,7 @@
             <a:pPr rtl="0"/>
             <a:fld id="{2E24D16E-427E-461B-B316-99E3B1E340F1}" type="datetime1">
               <a:rPr lang="it-IT" smtClean="0"/>
-              <a:t>06/03/2022</a:t>
+              <a:t>07/03/2022</a:t>
             </a:fld>
             <a:endParaRPr lang="en-US" dirty="0"/>
           </a:p>
@@ -4725,7 +4834,7 @@
             <a:pPr rtl="0"/>
             <a:fld id="{FC16C3F1-EAB4-40C7-A804-E4164A432ACC}" type="datetime1">
               <a:rPr lang="it-IT" smtClean="0"/>
-              <a:t>06/03/2022</a:t>
+              <a:t>07/03/2022</a:t>
             </a:fld>
             <a:endParaRPr lang="en-US" dirty="0"/>
           </a:p>
@@ -5041,7 +5150,7 @@
             <a:pPr rtl="0"/>
             <a:fld id="{593AB179-A7B4-4F53-8FBC-DA521D7752CD}" type="datetime1">
               <a:rPr lang="it-IT" smtClean="0"/>
-              <a:t>06/03/2022</a:t>
+              <a:t>07/03/2022</a:t>
             </a:fld>
             <a:endParaRPr lang="en-US" dirty="0"/>
           </a:p>
@@ -5298,7 +5407,7 @@
             <a:pPr rtl="0"/>
             <a:fld id="{2BC475E4-8A13-4296-8284-4EFC212D9D0C}" type="datetime1">
               <a:rPr lang="it-IT" smtClean="0"/>
-              <a:t>06/03/2022</a:t>
+              <a:t>07/03/2022</a:t>
             </a:fld>
             <a:endParaRPr lang="en-US" dirty="0"/>
           </a:p>
@@ -5724,7 +5833,7 @@
             <a:pPr rtl="0"/>
             <a:fld id="{2EDAC308-8BE6-45DD-8B68-B04D02410B09}" type="datetime1">
               <a:rPr lang="it-IT" smtClean="0"/>
-              <a:t>06/03/2022</a:t>
+              <a:t>07/03/2022</a:t>
             </a:fld>
             <a:endParaRPr lang="en-US" dirty="0"/>
           </a:p>
@@ -5851,7 +5960,7 @@
             <a:pPr rtl="0"/>
             <a:fld id="{85254269-30BB-4415-A3F6-02D389D24D09}" type="datetime1">
               <a:rPr lang="it-IT" smtClean="0"/>
-              <a:t>06/03/2022</a:t>
+              <a:t>07/03/2022</a:t>
             </a:fld>
             <a:endParaRPr lang="en-US" dirty="0"/>
           </a:p>
@@ -5949,7 +6058,7 @@
             <a:pPr rtl="0"/>
             <a:fld id="{60ACBBB0-50A8-412C-AC83-6C1A96035CC9}" type="datetime1">
               <a:rPr lang="it-IT" smtClean="0"/>
-              <a:t>06/03/2022</a:t>
+              <a:t>07/03/2022</a:t>
             </a:fld>
             <a:endParaRPr lang="en-US" dirty="0"/>
           </a:p>
@@ -6330,7 +6439,7 @@
             <a:pPr rtl="0"/>
             <a:fld id="{44D8AF99-1FFE-484F-999D-5C9E0DFBE297}" type="datetime1">
               <a:rPr lang="it-IT" smtClean="0"/>
-              <a:t>06/03/2022</a:t>
+              <a:t>07/03/2022</a:t>
             </a:fld>
             <a:endParaRPr lang="en-US" dirty="0"/>
           </a:p>
@@ -6628,7 +6737,7 @@
             <a:pPr rtl="0"/>
             <a:fld id="{8DCB91F3-7F1A-4CB0-9F29-9C199284DBA2}" type="datetime1">
               <a:rPr lang="it-IT" smtClean="0"/>
-              <a:t>06/03/2022</a:t>
+              <a:t>07/03/2022</a:t>
             </a:fld>
             <a:endParaRPr lang="en-US" dirty="0"/>
           </a:p>
@@ -6846,7 +6955,7 @@
             <a:pPr rtl="0"/>
             <a:fld id="{BAA6CE81-F21E-4C48-B40D-AB03A3BE863B}" type="datetime1">
               <a:rPr lang="it-IT" smtClean="0"/>
-              <a:t>06/03/2022</a:t>
+              <a:t>07/03/2022</a:t>
             </a:fld>
             <a:endParaRPr lang="en-US" dirty="0"/>
           </a:p>
@@ -8566,7 +8675,7 @@
               <a:t>API Service is developed by using </a:t>
             </a:r>
             <a:r>
-              <a:rPr lang="en-GB" b="1" dirty="0" err="1"/>
+              <a:rPr lang="en-GB" b="1" dirty="0"/>
               <a:t>FASTApi</a:t>
             </a:r>
             <a:r>
@@ -9530,7 +9639,7 @@
             <a:pPr rtl="0"/>
             <a:fld id="{BE6A9DFD-D01D-46F2-9F5D-64CD124556CA}" type="datetime1">
               <a:rPr lang="it-IT" smtClean="0"/>
-              <a:t>06/03/2022</a:t>
+              <a:t>07/03/2022</a:t>
             </a:fld>
             <a:endParaRPr lang="en-US" dirty="0"/>
           </a:p>
@@ -9595,16 +9704,8 @@
           <a:lstStyle/>
           <a:p>
             <a:r>
-              <a:rPr lang="en-US" dirty="0" err="1"/>
-              <a:t>elasticsearch</a:t>
-            </a:r>
-            <a:r>
               <a:rPr lang="en-US" dirty="0"/>
-              <a:t> and </a:t>
-            </a:r>
-            <a:r>
-              <a:rPr lang="en-US" dirty="0" err="1"/>
-              <a:t>kibana</a:t>
+              <a:t>elasticsearch and kibana</a:t>
             </a:r>
             <a:endParaRPr lang="en-GB" dirty="0"/>
           </a:p>
@@ -10049,11 +10150,7 @@
           <a:p>
             <a:r>
               <a:rPr lang="en-US" dirty="0"/>
-              <a:t>Web server </a:t>
-            </a:r>
-            <a:r>
-              <a:rPr lang="en-US" dirty="0" err="1"/>
-              <a:t>api</a:t>
+              <a:t>Web server api</a:t>
             </a:r>
             <a:endParaRPr lang="en-GB" dirty="0"/>
           </a:p>
@@ -10428,23 +10525,7 @@
             </a:r>
             <a:r>
               <a:rPr lang="en-GB" dirty="0"/>
-              <a:t>, specifying </a:t>
-            </a:r>
-            <a:r>
-              <a:rPr lang="en-GB" dirty="0" err="1"/>
-              <a:t>url</a:t>
-            </a:r>
-            <a:r>
-              <a:rPr lang="en-GB" dirty="0"/>
-              <a:t> and </a:t>
-            </a:r>
-            <a:r>
-              <a:rPr lang="en-GB" dirty="0" err="1"/>
-              <a:t>url</a:t>
-            </a:r>
-            <a:r>
-              <a:rPr lang="en-GB" dirty="0"/>
-              <a:t> filter. </a:t>
+              <a:t>, specifying url and url filter. </a:t>
             </a:r>
           </a:p>
           <a:p>
@@ -10578,7 +10659,7 @@
               <a:t> of </a:t>
             </a:r>
             <a:r>
-              <a:rPr lang="it-IT" dirty="0" err="1"/>
+              <a:rPr lang="en-GB" dirty="0"/>
               <a:t>doing</a:t>
             </a:r>
             <a:r>
@@ -10594,7 +10675,7 @@
               <a:t> </a:t>
             </a:r>
             <a:r>
-              <a:rPr lang="it-IT" b="1" dirty="0" err="1"/>
+              <a:rPr lang="en-GB" b="1" dirty="0"/>
               <a:t>search</a:t>
             </a:r>
             <a:r>
@@ -10610,7 +10691,7 @@
               <a:t> </a:t>
             </a:r>
             <a:r>
-              <a:rPr lang="it-IT" dirty="0" err="1"/>
+              <a:rPr lang="en-GB" dirty="0"/>
               <a:t>collections</a:t>
             </a:r>
             <a:r>
@@ -10618,7 +10699,7 @@
               <a:t> by </a:t>
             </a:r>
             <a:r>
-              <a:rPr lang="it-IT" dirty="0" err="1"/>
+              <a:rPr lang="en-GB" dirty="0"/>
               <a:t>using</a:t>
             </a:r>
             <a:r>
@@ -10634,7 +10715,7 @@
               <a:t>and </a:t>
             </a:r>
             <a:r>
-              <a:rPr lang="it-IT" b="1" dirty="0" err="1"/>
+              <a:rPr lang="en-GB" b="1" dirty="0"/>
               <a:t>Search</a:t>
             </a:r>
             <a:r>
@@ -10642,7 +10723,7 @@
               <a:t> </a:t>
             </a:r>
             <a:r>
-              <a:rPr lang="it-IT" b="1" dirty="0" err="1"/>
+              <a:rPr lang="en-GB" b="1" dirty="0"/>
               <a:t>engine</a:t>
             </a:r>
             <a:r>
@@ -11002,13 +11083,8 @@
           <a:p>
             <a:r>
               <a:rPr lang="en-US" dirty="0"/>
-              <a:t>Crawled data visualization in </a:t>
-            </a:r>
-            <a:r>
-              <a:rPr lang="en-US" dirty="0" err="1"/>
-              <a:t>kibana</a:t>
-            </a:r>
-            <a:endParaRPr lang="en-US" dirty="0"/>
+              <a:t>Crawled data visualization in kibana</a:t>
+            </a:r>
           </a:p>
         </p:txBody>
       </p:sp>
@@ -11361,7 +11437,7 @@
               <a:t>, </a:t>
             </a:r>
             <a:r>
-              <a:rPr lang="en-GB" sz="1800" b="1" dirty="0" err="1">
+              <a:rPr lang="en-GB" sz="1800" b="1" dirty="0">
                 <a:solidFill>
                   <a:schemeClr val="tx1"/>
                 </a:solidFill>
@@ -11369,12 +11445,12 @@
               <a:t>o</a:t>
             </a:r>
             <a:r>
-              <a:rPr lang="en-GB" b="1" dirty="0" err="1">
+              <a:rPr lang="en-GB" b="1" dirty="0">
                 <a:solidFill>
                   <a:schemeClr val="tx1"/>
                 </a:solidFill>
               </a:rPr>
-              <a:t>ffest</a:t>
+              <a:t>ffset</a:t>
             </a:r>
             <a:r>
               <a:rPr lang="en-GB" dirty="0">
@@ -11582,15 +11658,7 @@
             </a:r>
             <a:r>
               <a:rPr lang="en-GB" dirty="0"/>
-              <a:t>: ‘When </a:t>
-            </a:r>
-            <a:r>
-              <a:rPr lang="en-GB" dirty="0" err="1"/>
-              <a:t>Filippetti</a:t>
-            </a:r>
-            <a:r>
-              <a:rPr lang="en-GB" dirty="0"/>
-              <a:t> was founded?’</a:t>
+              <a:t>: ‘When Filippetti was founded?’</a:t>
             </a:r>
           </a:p>
           <a:p>
@@ -11778,15 +11846,7 @@
             </a:r>
             <a:r>
               <a:rPr lang="en-GB" dirty="0"/>
-              <a:t>: ‘What the </a:t>
-            </a:r>
-            <a:r>
-              <a:rPr lang="en-GB" dirty="0" err="1"/>
-              <a:t>Atex</a:t>
-            </a:r>
-            <a:r>
-              <a:rPr lang="en-GB" dirty="0"/>
-              <a:t> PPE does?’</a:t>
+              <a:t>: ‘What the Atex PPE does?’</a:t>
             </a:r>
           </a:p>
           <a:p>
@@ -12074,7 +12134,7 @@
             <a:pPr rtl="0"/>
             <a:fld id="{85254269-30BB-4415-A3F6-02D389D24D09}" type="datetime1">
               <a:rPr lang="it-IT" smtClean="0"/>
-              <a:t>06/03/2022</a:t>
+              <a:t>07/03/2022</a:t>
             </a:fld>
             <a:endParaRPr lang="en-US" dirty="0"/>
           </a:p>
@@ -12302,7 +12362,7 @@
             <a:pPr rtl="0"/>
             <a:fld id="{2BC475E4-8A13-4296-8284-4EFC212D9D0C}" type="datetime1">
               <a:rPr lang="it-IT" smtClean="0"/>
-              <a:t>06/03/2022</a:t>
+              <a:t>07/03/2022</a:t>
             </a:fld>
             <a:endParaRPr lang="en-US" dirty="0"/>
           </a:p>
@@ -12460,12 +12520,8 @@
               <a:t>Authentication can be implemented to REST API Service: one idea can be implement </a:t>
             </a:r>
             <a:r>
-              <a:rPr lang="en-GB" b="1" dirty="0" err="1"/>
-              <a:t>Json</a:t>
-            </a:r>
-            <a:r>
               <a:rPr lang="en-GB" b="1" dirty="0"/>
-              <a:t> Web Token</a:t>
+              <a:t>Json Web Token</a:t>
             </a:r>
             <a:r>
               <a:rPr lang="en-GB" dirty="0"/>
@@ -12638,7 +12694,7 @@
             <a:pPr rtl="0"/>
             <a:fld id="{2BC475E4-8A13-4296-8284-4EFC212D9D0C}" type="datetime1">
               <a:rPr lang="it-IT" smtClean="0"/>
-              <a:t>06/03/2022</a:t>
+              <a:t>07/03/2022</a:t>
             </a:fld>
             <a:endParaRPr lang="en-US" dirty="0"/>
           </a:p>
@@ -23336,53 +23392,21 @@
               <a:t>NLP Model used in the project is </a:t>
             </a:r>
             <a:r>
-              <a:rPr lang="en-GB" b="1" dirty="0" err="1"/>
+              <a:rPr lang="en-GB" b="1" dirty="0"/>
               <a:t>RoBERTa</a:t>
             </a:r>
             <a:r>
               <a:rPr lang="en-GB" dirty="0"/>
-              <a:t> (Robustly Optimized BERT Pretraining Approach), pre-trained on </a:t>
-            </a:r>
-            <a:r>
-              <a:rPr lang="en-GB" dirty="0" err="1"/>
-              <a:t>SQuAD</a:t>
-            </a:r>
+              <a:t> (Robustly Optimized BERT Pretraining Approach), pre-trained on SQuAD (Stanford Question Answering Dataset). RoBERTa is based on Transformers Neural Network.</a:t>
+            </a:r>
+          </a:p>
+          <a:p>
+            <a:endParaRPr lang="en-GB" dirty="0"/>
+          </a:p>
+          <a:p>
             <a:r>
               <a:rPr lang="en-GB" dirty="0"/>
-              <a:t> (Stanford Question Answering Dataset). </a:t>
-            </a:r>
-            <a:r>
-              <a:rPr lang="en-GB" dirty="0" err="1"/>
-              <a:t>RoBERTa</a:t>
-            </a:r>
-            <a:r>
-              <a:rPr lang="en-GB" dirty="0"/>
-              <a:t> is based on Transformers Neural Network.</a:t>
-            </a:r>
-          </a:p>
-          <a:p>
-            <a:endParaRPr lang="en-GB" dirty="0"/>
-          </a:p>
-          <a:p>
-            <a:r>
-              <a:rPr lang="en-GB" dirty="0"/>
-              <a:t>Different models can be used, such as ALBERT, </a:t>
-            </a:r>
-            <a:r>
-              <a:rPr lang="en-GB" dirty="0" err="1"/>
-              <a:t>XLNet</a:t>
-            </a:r>
-            <a:r>
-              <a:rPr lang="en-GB" dirty="0"/>
-              <a:t>, </a:t>
-            </a:r>
-            <a:r>
-              <a:rPr lang="en-GB" dirty="0" err="1"/>
-              <a:t>OpenAI’s</a:t>
-            </a:r>
-            <a:r>
-              <a:rPr lang="en-GB" dirty="0"/>
-              <a:t> GPT-3 …</a:t>
+              <a:t>Different models can be used, such as ALBERT, XLNet, OpenAI’s GPT-3 …</a:t>
             </a:r>
           </a:p>
           <a:p>
@@ -23571,7 +23595,7 @@
         </p:xfrm>
         <a:graphic>
           <a:graphicData uri="http://schemas.openxmlformats.org/drawingml/2006/diagram">
-            <dgm:relIds xmlns:dgm="http://schemas.openxmlformats.org/drawingml/2006/diagram" xmlns:r="http://schemas.openxmlformats.org/officeDocument/2006/relationships" r:dm="rId2" r:lo="rId3" r:qs="rId4" r:cs="rId5"/>
+            <dgm:relIds xmlns:dgm="http://schemas.openxmlformats.org/drawingml/2006/diagram" xmlns:r="http://schemas.openxmlformats.org/officeDocument/2006/relationships" r:dm="rId3" r:lo="rId4" r:qs="rId5" r:cs="rId6"/>
           </a:graphicData>
         </a:graphic>
       </p:graphicFrame>
@@ -24262,15 +24286,7 @@
             </a:r>
             <a:r>
               <a:rPr lang="en-GB" dirty="0"/>
-              <a:t>, to process </a:t>
-            </a:r>
-            <a:r>
-              <a:rPr lang="en-GB" dirty="0" err="1"/>
-              <a:t>informations</a:t>
-            </a:r>
-            <a:r>
-              <a:rPr lang="en-GB" dirty="0"/>
-              <a:t>, data, queries, answers, and </a:t>
+              <a:t>, to process information, data, queries, answers, and </a:t>
             </a:r>
             <a:r>
               <a:rPr lang="en-GB" b="1" dirty="0"/>
@@ -24694,36 +24710,6 @@
       </p:sp>
       <p:sp>
         <p:nvSpPr>
-          <p:cNvPr id="7" name="Text Placeholder 3">
-            <a:extLst>
-              <a:ext uri="{FF2B5EF4-FFF2-40B4-BE49-F238E27FC236}">
-                <a16:creationId xmlns:a16="http://schemas.microsoft.com/office/drawing/2014/main" id="{ED2CE4FF-21C8-4500-A785-BCE4ABCB9FD0}"/>
-              </a:ext>
-            </a:extLst>
-          </p:cNvPr>
-          <p:cNvSpPr>
-            <a:spLocks noGrp="1"/>
-          </p:cNvSpPr>
-          <p:nvPr>
-            <p:ph type="body" sz="half" idx="2"/>
-          </p:nvPr>
-        </p:nvSpPr>
-        <p:spPr>
-          <a:xfrm>
-            <a:off x="767857" y="2836654"/>
-            <a:ext cx="3031852" cy="3001392"/>
-          </a:xfrm>
-        </p:spPr>
-        <p:txBody>
-          <a:bodyPr/>
-          <a:lstStyle/>
-          <a:p>
-            <a:endParaRPr lang="en-US"/>
-          </a:p>
-        </p:txBody>
-      </p:sp>
-      <p:sp>
-        <p:nvSpPr>
           <p:cNvPr id="12" name="Date Placeholder 4">
             <a:extLst>
               <a:ext uri="{FF2B5EF4-FFF2-40B4-BE49-F238E27FC236}">
@@ -24760,7 +24746,7 @@
                   <a:spcPts val="600"/>
                 </a:spcAft>
               </a:pPr>
-              <a:t>06/03/2022</a:t>
+              <a:t>07/03/2022</a:t>
             </a:fld>
             <a:endParaRPr lang="en-US"/>
           </a:p>
